--- a/slides/ArduinoSeminar2.pptx
+++ b/slides/ArduinoSeminar2.pptx
@@ -14,7 +14,16 @@
     <p:sldId id="261" r:id="rId7"/>
     <p:sldId id="262" r:id="rId8"/>
     <p:sldId id="263" r:id="rId9"/>
-    <p:sldId id="264" r:id="rId10"/>
+    <p:sldId id="265" r:id="rId10"/>
+    <p:sldId id="267" r:id="rId11"/>
+    <p:sldId id="269" r:id="rId12"/>
+    <p:sldId id="270" r:id="rId13"/>
+    <p:sldId id="271" r:id="rId14"/>
+    <p:sldId id="273" r:id="rId15"/>
+    <p:sldId id="275" r:id="rId16"/>
+    <p:sldId id="276" r:id="rId17"/>
+    <p:sldId id="277" r:id="rId18"/>
+    <p:sldId id="264" r:id="rId19"/>
   </p:sldIdLst>
   <p:sldSz cx="12192000" cy="6858000"/>
   <p:notesSz cx="6858000" cy="9144000"/>
@@ -939,6 +948,196 @@
 </file>
 
 <file path=ppt/notesSlides/notesSlide6.xml><?xml version="1.0" encoding="utf-8"?>
+<p:notes xmlns:a="http://schemas.openxmlformats.org/drawingml/2006/main" xmlns:r="http://schemas.openxmlformats.org/officeDocument/2006/relationships" xmlns:p="http://schemas.openxmlformats.org/presentationml/2006/main" showMasterPhAnim="0" showMasterSp="0">
+  <p:cSld>
+    <p:spTree>
+      <p:nvGrpSpPr>
+        <p:cNvPr id="95" name="Shape 95"/>
+        <p:cNvGrpSpPr/>
+        <p:nvPr/>
+      </p:nvGrpSpPr>
+      <p:grpSpPr>
+        <a:xfrm>
+          <a:off x="0" y="0"/>
+          <a:ext cx="0" cy="0"/>
+          <a:chOff x="0" y="0"/>
+          <a:chExt cx="0" cy="0"/>
+        </a:xfrm>
+      </p:grpSpPr>
+      <p:sp>
+        <p:nvSpPr>
+          <p:cNvPr id="96" name="Shape 96"/>
+          <p:cNvSpPr/>
+          <p:nvPr>
+            <p:ph type="sldImg" idx="2"/>
+          </p:nvPr>
+        </p:nvSpPr>
+        <p:spPr>
+          <a:xfrm>
+            <a:off x="381175" y="685800"/>
+            <a:ext cx="6096299" cy="3429000"/>
+          </a:xfrm>
+          <a:custGeom>
+            <a:avLst/>
+            <a:gdLst/>
+            <a:ahLst/>
+            <a:cxnLst/>
+            <a:pathLst>
+              <a:path w="120000" h="120000" extrusionOk="0">
+                <a:moveTo>
+                  <a:pt x="0" y="0"/>
+                </a:moveTo>
+                <a:lnTo>
+                  <a:pt x="120000" y="0"/>
+                </a:lnTo>
+                <a:lnTo>
+                  <a:pt x="120000" y="120000"/>
+                </a:lnTo>
+                <a:lnTo>
+                  <a:pt x="0" y="120000"/>
+                </a:lnTo>
+                <a:close/>
+              </a:path>
+            </a:pathLst>
+          </a:custGeom>
+        </p:spPr>
+      </p:sp>
+      <p:sp>
+        <p:nvSpPr>
+          <p:cNvPr id="97" name="Shape 97"/>
+          <p:cNvSpPr txBox="1"/>
+          <p:nvPr>
+            <p:ph type="body" idx="1"/>
+          </p:nvPr>
+        </p:nvSpPr>
+        <p:spPr>
+          <a:xfrm>
+            <a:off x="685800" y="4343400"/>
+            <a:ext cx="5486399" cy="4114800"/>
+          </a:xfrm>
+          <a:prstGeom prst="rect">
+            <a:avLst/>
+          </a:prstGeom>
+        </p:spPr>
+        <p:txBody>
+          <a:bodyPr lIns="91425" tIns="91425" rIns="91425" bIns="91425" anchor="t" anchorCtr="0">
+            <a:noAutofit/>
+          </a:bodyPr>
+          <a:lstStyle/>
+          <a:p>
+            <a:pPr lvl="0">
+              <a:spcBef>
+                <a:spcPts val="0"/>
+              </a:spcBef>
+              <a:buNone/>
+            </a:pPr>
+          </a:p>
+        </p:txBody>
+      </p:sp>
+    </p:spTree>
+  </p:cSld>
+  <p:clrMapOvr>
+    <a:masterClrMapping/>
+  </p:clrMapOvr>
+</p:notes>
+</file>
+
+<file path=ppt/notesSlides/notesSlide7.xml><?xml version="1.0" encoding="utf-8"?>
+<p:notes xmlns:a="http://schemas.openxmlformats.org/drawingml/2006/main" xmlns:r="http://schemas.openxmlformats.org/officeDocument/2006/relationships" xmlns:p="http://schemas.openxmlformats.org/presentationml/2006/main" showMasterPhAnim="0" showMasterSp="0">
+  <p:cSld>
+    <p:spTree>
+      <p:nvGrpSpPr>
+        <p:cNvPr id="95" name="Shape 95"/>
+        <p:cNvGrpSpPr/>
+        <p:nvPr/>
+      </p:nvGrpSpPr>
+      <p:grpSpPr>
+        <a:xfrm>
+          <a:off x="0" y="0"/>
+          <a:ext cx="0" cy="0"/>
+          <a:chOff x="0" y="0"/>
+          <a:chExt cx="0" cy="0"/>
+        </a:xfrm>
+      </p:grpSpPr>
+      <p:sp>
+        <p:nvSpPr>
+          <p:cNvPr id="96" name="Shape 96"/>
+          <p:cNvSpPr/>
+          <p:nvPr>
+            <p:ph type="sldImg" idx="2"/>
+          </p:nvPr>
+        </p:nvSpPr>
+        <p:spPr>
+          <a:xfrm>
+            <a:off x="381175" y="685800"/>
+            <a:ext cx="6096299" cy="3429000"/>
+          </a:xfrm>
+          <a:custGeom>
+            <a:avLst/>
+            <a:gdLst/>
+            <a:ahLst/>
+            <a:cxnLst/>
+            <a:pathLst>
+              <a:path w="120000" h="120000" extrusionOk="0">
+                <a:moveTo>
+                  <a:pt x="0" y="0"/>
+                </a:moveTo>
+                <a:lnTo>
+                  <a:pt x="120000" y="0"/>
+                </a:lnTo>
+                <a:lnTo>
+                  <a:pt x="120000" y="120000"/>
+                </a:lnTo>
+                <a:lnTo>
+                  <a:pt x="0" y="120000"/>
+                </a:lnTo>
+                <a:close/>
+              </a:path>
+            </a:pathLst>
+          </a:custGeom>
+        </p:spPr>
+      </p:sp>
+      <p:sp>
+        <p:nvSpPr>
+          <p:cNvPr id="97" name="Shape 97"/>
+          <p:cNvSpPr txBox="1"/>
+          <p:nvPr>
+            <p:ph type="body" idx="1"/>
+          </p:nvPr>
+        </p:nvSpPr>
+        <p:spPr>
+          <a:xfrm>
+            <a:off x="685800" y="4343400"/>
+            <a:ext cx="5486399" cy="4114800"/>
+          </a:xfrm>
+          <a:prstGeom prst="rect">
+            <a:avLst/>
+          </a:prstGeom>
+        </p:spPr>
+        <p:txBody>
+          <a:bodyPr lIns="91425" tIns="91425" rIns="91425" bIns="91425" anchor="t" anchorCtr="0">
+            <a:noAutofit/>
+          </a:bodyPr>
+          <a:lstStyle/>
+          <a:p>
+            <a:pPr lvl="0">
+              <a:spcBef>
+                <a:spcPts val="0"/>
+              </a:spcBef>
+              <a:buNone/>
+            </a:pPr>
+          </a:p>
+        </p:txBody>
+      </p:sp>
+    </p:spTree>
+  </p:cSld>
+  <p:clrMapOvr>
+    <a:masterClrMapping/>
+  </p:clrMapOvr>
+</p:notes>
+</file>
+
+<file path=ppt/notesSlides/notesSlide8.xml><?xml version="1.0" encoding="utf-8"?>
 <p:notes xmlns:a="http://schemas.openxmlformats.org/drawingml/2006/main" xmlns:r="http://schemas.openxmlformats.org/officeDocument/2006/relationships" xmlns:p="http://schemas.openxmlformats.org/presentationml/2006/main" showMasterPhAnim="0" showMasterSp="0">
   <p:cSld>
     <p:spTree>
@@ -5396,7 +5595,173 @@
 </p:sld>
 </file>
 
-<file path=ppt/slides/slide2.xml><?xml version="1.0" encoding="utf-8"?>
+<file path=ppt/slides/slide10.xml><?xml version="1.0" encoding="utf-8"?>
+<p:sld xmlns:a="http://schemas.openxmlformats.org/drawingml/2006/main" xmlns:r="http://schemas.openxmlformats.org/officeDocument/2006/relationships" xmlns:p="http://schemas.openxmlformats.org/presentationml/2006/main">
+  <p:cSld>
+    <p:spTree>
+      <p:nvGrpSpPr>
+        <p:cNvPr id="1" name=""/>
+        <p:cNvGrpSpPr/>
+        <p:nvPr/>
+      </p:nvGrpSpPr>
+      <p:grpSpPr/>
+      <p:sp>
+        <p:nvSpPr>
+          <p:cNvPr id="2" name="标题 1"/>
+          <p:cNvSpPr/>
+          <p:nvPr>
+            <p:ph type="title"/>
+          </p:nvPr>
+        </p:nvSpPr>
+        <p:spPr/>
+        <p:txBody>
+          <a:bodyPr/>
+          <a:p>
+            <a:r>
+              <a:rPr lang="en-US" altLang="zh-CN"/>
+              <a:t>How to connect</a:t>
+            </a:r>
+            <a:endParaRPr lang="en-US" altLang="zh-CN"/>
+          </a:p>
+        </p:txBody>
+      </p:sp>
+      <p:sp>
+        <p:nvSpPr>
+          <p:cNvPr id="3" name="文本占位符 2"/>
+          <p:cNvSpPr/>
+          <p:nvPr>
+            <p:ph type="body" idx="1"/>
+          </p:nvPr>
+        </p:nvSpPr>
+        <p:spPr/>
+        <p:txBody>
+          <a:bodyPr/>
+          <a:p>
+            <a:r>
+              <a:rPr lang="en-US" altLang="zh-CN"/>
+              <a:t>Press the MODE button on the controller, so that the red MODE LED is on.</a:t>
+            </a:r>
+            <a:endParaRPr lang="en-US" altLang="zh-CN"/>
+          </a:p>
+          <a:p>
+            <a:r>
+              <a:rPr lang="en-US" altLang="zh-CN"/>
+              <a:t>Open the Serial Monitor.</a:t>
+            </a:r>
+            <a:endParaRPr lang="en-US" altLang="zh-CN"/>
+          </a:p>
+          <a:p>
+            <a:r>
+              <a:rPr lang="en-US" altLang="zh-CN">
+                <a:ea typeface="宋体" panose="02010600030101010101" pitchFamily="2" charset="-122"/>
+              </a:rPr>
+              <a:t>Press the RESET button on the Arduino board, i.e., the red button at the top-left corner.</a:t>
+            </a:r>
+            <a:endParaRPr lang="en-US" altLang="zh-CN">
+              <a:ea typeface="宋体" panose="02010600030101010101" pitchFamily="2" charset="-122"/>
+            </a:endParaRPr>
+          </a:p>
+        </p:txBody>
+      </p:sp>
+      <p:pic>
+        <p:nvPicPr>
+          <p:cNvPr id="4" name="图片 3" descr="下载"/>
+          <p:cNvPicPr>
+            <a:picLocks noChangeAspect="1"/>
+          </p:cNvPicPr>
+          <p:nvPr/>
+        </p:nvPicPr>
+        <p:blipFill>
+          <a:blip r:embed="rId1"/>
+          <a:srcRect r="61695" b="50957"/>
+          <a:stretch>
+            <a:fillRect/>
+          </a:stretch>
+        </p:blipFill>
+        <p:spPr>
+          <a:xfrm>
+            <a:off x="5011420" y="4928870"/>
+            <a:ext cx="2169795" cy="1786255"/>
+          </a:xfrm>
+          <a:prstGeom prst="rect">
+            <a:avLst/>
+          </a:prstGeom>
+        </p:spPr>
+      </p:pic>
+    </p:spTree>
+  </p:cSld>
+  <p:clrMapOvr>
+    <a:masterClrMapping/>
+  </p:clrMapOvr>
+</p:sld>
+</file>
+
+<file path=ppt/slides/slide11.xml><?xml version="1.0" encoding="utf-8"?>
+<p:sld xmlns:a="http://schemas.openxmlformats.org/drawingml/2006/main" xmlns:r="http://schemas.openxmlformats.org/officeDocument/2006/relationships" xmlns:p="http://schemas.openxmlformats.org/presentationml/2006/main">
+  <p:cSld>
+    <p:spTree>
+      <p:nvGrpSpPr>
+        <p:cNvPr id="1" name=""/>
+        <p:cNvGrpSpPr/>
+        <p:nvPr/>
+      </p:nvGrpSpPr>
+      <p:grpSpPr/>
+      <p:sp>
+        <p:nvSpPr>
+          <p:cNvPr id="2" name="标题 1"/>
+          <p:cNvSpPr/>
+          <p:nvPr>
+            <p:ph type="title"/>
+          </p:nvPr>
+        </p:nvSpPr>
+        <p:spPr/>
+        <p:txBody>
+          <a:bodyPr/>
+          <a:p>
+            <a:r>
+              <a:rPr lang="en-US" altLang="zh-CN"/>
+              <a:t>Try out these keys...</a:t>
+            </a:r>
+            <a:endParaRPr lang="en-US" altLang="zh-CN"/>
+          </a:p>
+        </p:txBody>
+      </p:sp>
+      <p:sp>
+        <p:nvSpPr>
+          <p:cNvPr id="3" name="文本占位符 2"/>
+          <p:cNvSpPr/>
+          <p:nvPr>
+            <p:ph type="body" idx="1"/>
+          </p:nvPr>
+        </p:nvSpPr>
+        <p:spPr/>
+        <p:txBody>
+          <a:bodyPr/>
+          <a:p>
+            <a:r>
+              <a:rPr lang="en-US" altLang="zh-CN"/>
+              <a:t>Left, X, R2, SELECT, Joysticks (press down)</a:t>
+            </a:r>
+            <a:endParaRPr lang="en-US" altLang="zh-CN"/>
+          </a:p>
+          <a:p>
+            <a:r>
+              <a:rPr lang="en-US" altLang="zh-CN"/>
+              <a:t>Output will be shown on the Serial Monitor.</a:t>
+            </a:r>
+            <a:endParaRPr lang="en-US" altLang="zh-CN"/>
+          </a:p>
+        </p:txBody>
+      </p:sp>
+    </p:spTree>
+  </p:cSld>
+  <p:clrMapOvr>
+    <a:masterClrMapping/>
+  </p:clrMapOvr>
+</p:sld>
+</file>
+
+<file path=ppt/slides/slide12.xml><?xml version="1.0" encoding="utf-8"?>
 <p:sld xmlns:a="http://schemas.openxmlformats.org/drawingml/2006/main" xmlns:r="http://schemas.openxmlformats.org/officeDocument/2006/relationships" xmlns:p="http://schemas.openxmlformats.org/presentationml/2006/main">
   <p:cSld>
     <p:spTree>
@@ -5444,7 +5809,7 @@
             </a:pPr>
             <a:r>
               <a:rPr lang="en-US" altLang="en-GB"/>
-              <a:t>Using LCD display</a:t>
+              <a:t>Final practice</a:t>
             </a:r>
             <a:endParaRPr lang="en-US" altLang="en-GB"/>
           </a:p>
@@ -5481,7 +5846,7 @@
             </a:pPr>
             <a:r>
               <a:rPr lang="en-US" altLang="en-GB"/>
-              <a:t>Debug swiftly on-the-go.</a:t>
+              <a:t>Finish to earn our free PS2 giveaways!</a:t>
             </a:r>
             <a:endParaRPr lang="en-US" altLang="en-GB"/>
           </a:p>
@@ -5519,7 +5884,7 @@
               <a:buNone/>
             </a:pPr>
             <a:r>
-              <a:rPr lang="en-GB" sz="3200">
+              <a:rPr lang="en-US" altLang="en-GB" sz="3200">
                 <a:solidFill>
                   <a:schemeClr val="dk1"/>
                 </a:solidFill>
@@ -5528,9 +5893,9 @@
                 <a:cs typeface="Lora" panose="00000500000000000000"/>
                 <a:sym typeface="Lora" panose="00000500000000000000"/>
               </a:rPr>
-              <a:t>1</a:t>
+              <a:t>3</a:t>
             </a:r>
-            <a:endParaRPr lang="en-GB" sz="3200">
+            <a:endParaRPr lang="en-US" altLang="en-GB" sz="3200">
               <a:solidFill>
                 <a:schemeClr val="dk1"/>
               </a:solidFill>
@@ -5550,139 +5915,62 @@
 </p:sld>
 </file>
 
-<file path=ppt/slides/slide3.xml><?xml version="1.0" encoding="utf-8"?>
+<file path=ppt/slides/slide13.xml><?xml version="1.0" encoding="utf-8"?>
 <p:sld xmlns:a="http://schemas.openxmlformats.org/drawingml/2006/main" xmlns:r="http://schemas.openxmlformats.org/officeDocument/2006/relationships" xmlns:p="http://schemas.openxmlformats.org/presentationml/2006/main">
   <p:cSld>
     <p:spTree>
       <p:nvGrpSpPr>
-        <p:cNvPr id="110" name="Shape 110"/>
+        <p:cNvPr id="1" name=""/>
         <p:cNvGrpSpPr/>
         <p:nvPr/>
       </p:nvGrpSpPr>
-      <p:grpSpPr>
-        <a:xfrm>
-          <a:off x="0" y="0"/>
-          <a:ext cx="0" cy="0"/>
-          <a:chOff x="0" y="0"/>
-          <a:chExt cx="0" cy="0"/>
-        </a:xfrm>
-      </p:grpSpPr>
-      <p:sp>
-        <p:nvSpPr>
-          <p:cNvPr id="111" name="Shape 111"/>
-          <p:cNvSpPr txBox="1"/>
+      <p:grpSpPr/>
+      <p:sp>
+        <p:nvSpPr>
+          <p:cNvPr id="2" name="标题 1"/>
+          <p:cNvSpPr/>
           <p:nvPr>
             <p:ph type="title"/>
           </p:nvPr>
         </p:nvSpPr>
-        <p:spPr>
-          <a:xfrm>
-            <a:off x="1841667" y="1230224"/>
-            <a:ext cx="5171199" cy="580799"/>
-          </a:xfrm>
-          <a:prstGeom prst="rect">
-            <a:avLst/>
-          </a:prstGeom>
-        </p:spPr>
+        <p:spPr/>
         <p:txBody>
-          <a:bodyPr lIns="121900" tIns="121900" rIns="121900" bIns="121900" anchor="ctr" anchorCtr="0">
-            <a:noAutofit/>
-          </a:bodyPr>
-          <a:lstStyle/>
-          <a:p>
-            <a:pPr lvl="0">
-              <a:spcBef>
-                <a:spcPts val="0"/>
-              </a:spcBef>
-              <a:buNone/>
-            </a:pPr>
+          <a:bodyPr/>
+          <a:p>
             <a:r>
-              <a:rPr lang="en-US" altLang="en-GB"/>
-              <a:t>Why LCD?</a:t>
+              <a:rPr lang="en-US" altLang="zh-CN"/>
+              <a:t>It looks a little bit off...</a:t>
             </a:r>
-            <a:endParaRPr lang="en-US" altLang="en-GB">
-              <a:highlight>
-                <a:srgbClr val="FFCD00"/>
-              </a:highlight>
-            </a:endParaRPr>
+            <a:endParaRPr lang="en-US" altLang="zh-CN"/>
           </a:p>
         </p:txBody>
       </p:sp>
       <p:sp>
         <p:nvSpPr>
-          <p:cNvPr id="112" name="Shape 112"/>
-          <p:cNvSpPr txBox="1"/>
+          <p:cNvPr id="3" name="文本占位符 2"/>
+          <p:cNvSpPr/>
           <p:nvPr>
             <p:ph type="body" idx="1"/>
           </p:nvPr>
         </p:nvSpPr>
-        <p:spPr>
-          <a:xfrm>
-            <a:off x="1841667" y="2155293"/>
-            <a:ext cx="9079600" cy="4149600"/>
-          </a:xfrm>
-          <a:prstGeom prst="rect">
-            <a:avLst/>
-          </a:prstGeom>
-        </p:spPr>
+        <p:spPr/>
         <p:txBody>
-          <a:bodyPr lIns="121900" tIns="121900" rIns="121900" bIns="121900" anchor="t" anchorCtr="0">
-            <a:noAutofit/>
-          </a:bodyPr>
-          <a:lstStyle/>
-          <a:p>
-            <a:pPr marL="457200" lvl="0" indent="-228600" rtl="0">
-              <a:spcBef>
-                <a:spcPts val="0"/>
-              </a:spcBef>
-            </a:pPr>
+          <a:bodyPr/>
+          <a:p>
             <a:r>
-              <a:rPr lang="en-US" altLang="en-GB"/>
-              <a:t>It enables you to display &amp; see debug output on-the-go, i.e. no need to plug into your PC.</a:t>
+              <a:rPr lang="en-US" altLang="zh-CN"/>
+              <a:t>After installing, the mechanical arm might be a little bit off from your ideal upright position...</a:t>
             </a:r>
-            <a:endParaRPr lang="en-US" altLang="en-GB"/>
-          </a:p>
-          <a:p>
-            <a:pPr marL="457200" lvl="0" indent="-228600" rtl="0">
-              <a:spcBef>
-                <a:spcPts val="0"/>
-              </a:spcBef>
-            </a:pPr>
-            <a:r>
-              <a:rPr lang="en-US" altLang="en-GB"/>
-              <a:t>Accelerates your development</a:t>
-            </a:r>
-            <a:endParaRPr lang="en-US" altLang="en-GB"/>
-          </a:p>
-          <a:p>
-            <a:pPr marL="457200" lvl="0" indent="-228600" rtl="0">
-              <a:spcBef>
-                <a:spcPts val="0"/>
-              </a:spcBef>
-            </a:pPr>
-            <a:endParaRPr lang="en-US" altLang="en-GB"/>
-          </a:p>
-          <a:p>
-            <a:pPr marL="457200" lvl="0" indent="-228600" rtl="0">
-              <a:spcBef>
-                <a:spcPts val="0"/>
-              </a:spcBef>
-            </a:pPr>
-            <a:endParaRPr lang="en-US" altLang="en-GB"/>
-          </a:p>
-          <a:p>
-            <a:pPr lvl="0">
-              <a:spcBef>
-                <a:spcPts val="0"/>
-              </a:spcBef>
-              <a:buNone/>
-            </a:pPr>
+            <a:endParaRPr lang="en-US" altLang="zh-CN"/>
+          </a:p>
+          <a:p>
+            <a:endParaRPr lang="en-US" altLang="zh-CN"/>
           </a:p>
         </p:txBody>
       </p:sp>
       <p:pic>
         <p:nvPicPr>
-          <p:cNvPr id="1" name="图片 0" descr="i2c-serial-lcd-1602-module"/>
+          <p:cNvPr id="4" name="图片 3" descr="images (1)"/>
           <p:cNvPicPr>
             <a:picLocks noChangeAspect="1"/>
           </p:cNvPicPr>
@@ -5696,8 +5984,8 @@
         </p:blipFill>
         <p:spPr>
           <a:xfrm>
-            <a:off x="4976495" y="3801110"/>
-            <a:ext cx="2809875" cy="2809875"/>
+            <a:off x="4495800" y="3309620"/>
+            <a:ext cx="3200400" cy="3200400"/>
           </a:xfrm>
           <a:prstGeom prst="rect">
             <a:avLst/>
@@ -5712,351 +6000,7 @@
 </p:sld>
 </file>
 
-<file path=ppt/slides/slide4.xml><?xml version="1.0" encoding="utf-8"?>
-<p:sld xmlns:a="http://schemas.openxmlformats.org/drawingml/2006/main" xmlns:r="http://schemas.openxmlformats.org/officeDocument/2006/relationships" xmlns:p="http://schemas.openxmlformats.org/presentationml/2006/main">
-  <p:cSld>
-    <p:spTree>
-      <p:nvGrpSpPr>
-        <p:cNvPr id="110" name="Shape 110"/>
-        <p:cNvGrpSpPr/>
-        <p:nvPr/>
-      </p:nvGrpSpPr>
-      <p:grpSpPr>
-        <a:xfrm>
-          <a:off x="0" y="0"/>
-          <a:ext cx="0" cy="0"/>
-          <a:chOff x="0" y="0"/>
-          <a:chExt cx="0" cy="0"/>
-        </a:xfrm>
-      </p:grpSpPr>
-      <p:sp>
-        <p:nvSpPr>
-          <p:cNvPr id="111" name="Shape 111"/>
-          <p:cNvSpPr txBox="1"/>
-          <p:nvPr>
-            <p:ph type="title"/>
-          </p:nvPr>
-        </p:nvSpPr>
-        <p:spPr>
-          <a:xfrm>
-            <a:off x="1841667" y="1230224"/>
-            <a:ext cx="5171199" cy="580799"/>
-          </a:xfrm>
-          <a:prstGeom prst="rect">
-            <a:avLst/>
-          </a:prstGeom>
-        </p:spPr>
-        <p:txBody>
-          <a:bodyPr lIns="121900" tIns="121900" rIns="121900" bIns="121900" anchor="ctr" anchorCtr="0">
-            <a:noAutofit/>
-          </a:bodyPr>
-          <a:lstStyle/>
-          <a:p>
-            <a:pPr lvl="0">
-              <a:spcBef>
-                <a:spcPts val="0"/>
-              </a:spcBef>
-              <a:buNone/>
-            </a:pPr>
-            <a:r>
-              <a:rPr lang="en-US" altLang="en-GB">
-                <a:highlight>
-                  <a:srgbClr val="FFCD00"/>
-                </a:highlight>
-              </a:rPr>
-              <a:t>Choose an appropriate LCD</a:t>
-            </a:r>
-            <a:endParaRPr lang="en-US" altLang="en-GB">
-              <a:highlight>
-                <a:srgbClr val="FFCD00"/>
-              </a:highlight>
-            </a:endParaRPr>
-          </a:p>
-        </p:txBody>
-      </p:sp>
-      <p:sp>
-        <p:nvSpPr>
-          <p:cNvPr id="112" name="Shape 112"/>
-          <p:cNvSpPr txBox="1"/>
-          <p:nvPr>
-            <p:ph type="body" idx="1"/>
-          </p:nvPr>
-        </p:nvSpPr>
-        <p:spPr>
-          <a:xfrm>
-            <a:off x="1841667" y="2155293"/>
-            <a:ext cx="9079600" cy="4149600"/>
-          </a:xfrm>
-          <a:prstGeom prst="rect">
-            <a:avLst/>
-          </a:prstGeom>
-        </p:spPr>
-        <p:txBody>
-          <a:bodyPr lIns="121900" tIns="121900" rIns="121900" bIns="121900" anchor="t" anchorCtr="0">
-            <a:noAutofit/>
-          </a:bodyPr>
-          <a:lstStyle/>
-          <a:p>
-            <a:pPr marL="457200" lvl="0" indent="-228600" rtl="0">
-              <a:spcBef>
-                <a:spcPts val="0"/>
-              </a:spcBef>
-            </a:pPr>
-            <a:r>
-              <a:rPr lang="en-US" altLang="en-GB"/>
-              <a:t>LCDs with I2C pins are favorable (less pins needed than those that don't have it)</a:t>
-            </a:r>
-            <a:endParaRPr lang="en-US" altLang="en-GB"/>
-          </a:p>
-          <a:p>
-            <a:pPr marL="457200" lvl="0" indent="-228600" rtl="0">
-              <a:spcBef>
-                <a:spcPts val="0"/>
-              </a:spcBef>
-            </a:pPr>
-            <a:endParaRPr lang="en-US" altLang="en-GB"/>
-          </a:p>
-          <a:p>
-            <a:pPr marL="457200" lvl="0" indent="-228600" rtl="0">
-              <a:spcBef>
-                <a:spcPts val="0"/>
-              </a:spcBef>
-            </a:pPr>
-            <a:endParaRPr lang="en-US" altLang="en-GB"/>
-          </a:p>
-          <a:p>
-            <a:pPr lvl="0">
-              <a:spcBef>
-                <a:spcPts val="0"/>
-              </a:spcBef>
-              <a:buNone/>
-            </a:pPr>
-          </a:p>
-        </p:txBody>
-      </p:sp>
-      <p:pic>
-        <p:nvPicPr>
-          <p:cNvPr id="2" name="图片 1" descr="400px-1602I2C_3"/>
-          <p:cNvPicPr>
-            <a:picLocks noChangeAspect="1"/>
-          </p:cNvPicPr>
-          <p:nvPr/>
-        </p:nvPicPr>
-        <p:blipFill>
-          <a:blip r:embed="rId1"/>
-          <a:stretch>
-            <a:fillRect/>
-          </a:stretch>
-        </p:blipFill>
-        <p:spPr>
-          <a:xfrm>
-            <a:off x="3983990" y="3265170"/>
-            <a:ext cx="4224655" cy="3157855"/>
-          </a:xfrm>
-          <a:prstGeom prst="rect">
-            <a:avLst/>
-          </a:prstGeom>
-        </p:spPr>
-      </p:pic>
-    </p:spTree>
-  </p:cSld>
-  <p:clrMapOvr>
-    <a:masterClrMapping/>
-  </p:clrMapOvr>
-</p:sld>
-</file>
-
-<file path=ppt/slides/slide5.xml><?xml version="1.0" encoding="utf-8"?>
-<p:sld xmlns:a="http://schemas.openxmlformats.org/drawingml/2006/main" xmlns:r="http://schemas.openxmlformats.org/officeDocument/2006/relationships" xmlns:p="http://schemas.openxmlformats.org/presentationml/2006/main">
-  <p:cSld>
-    <p:spTree>
-      <p:nvGrpSpPr>
-        <p:cNvPr id="110" name="Shape 110"/>
-        <p:cNvGrpSpPr/>
-        <p:nvPr/>
-      </p:nvGrpSpPr>
-      <p:grpSpPr>
-        <a:xfrm>
-          <a:off x="0" y="0"/>
-          <a:ext cx="0" cy="0"/>
-          <a:chOff x="0" y="0"/>
-          <a:chExt cx="0" cy="0"/>
-        </a:xfrm>
-      </p:grpSpPr>
-      <p:sp>
-        <p:nvSpPr>
-          <p:cNvPr id="111" name="Shape 111"/>
-          <p:cNvSpPr txBox="1"/>
-          <p:nvPr>
-            <p:ph type="title"/>
-          </p:nvPr>
-        </p:nvSpPr>
-        <p:spPr>
-          <a:xfrm>
-            <a:off x="1841667" y="1230224"/>
-            <a:ext cx="5171199" cy="580799"/>
-          </a:xfrm>
-          <a:prstGeom prst="rect">
-            <a:avLst/>
-          </a:prstGeom>
-        </p:spPr>
-        <p:txBody>
-          <a:bodyPr lIns="121900" tIns="121900" rIns="121900" bIns="121900" anchor="ctr" anchorCtr="0">
-            <a:noAutofit/>
-          </a:bodyPr>
-          <a:lstStyle/>
-          <a:p>
-            <a:pPr lvl="0">
-              <a:spcBef>
-                <a:spcPts val="0"/>
-              </a:spcBef>
-              <a:buNone/>
-            </a:pPr>
-            <a:r>
-              <a:rPr lang="en-US" altLang="en-GB">
-                <a:highlight>
-                  <a:srgbClr val="FFCD00"/>
-                </a:highlight>
-              </a:rPr>
-              <a:t>Connection</a:t>
-            </a:r>
-            <a:endParaRPr lang="en-US" altLang="en-GB">
-              <a:highlight>
-                <a:srgbClr val="FFCD00"/>
-              </a:highlight>
-            </a:endParaRPr>
-          </a:p>
-        </p:txBody>
-      </p:sp>
-      <p:sp>
-        <p:nvSpPr>
-          <p:cNvPr id="112" name="Shape 112"/>
-          <p:cNvSpPr txBox="1"/>
-          <p:nvPr>
-            <p:ph type="body" idx="1"/>
-          </p:nvPr>
-        </p:nvSpPr>
-        <p:spPr>
-          <a:xfrm>
-            <a:off x="1841667" y="2155293"/>
-            <a:ext cx="9079600" cy="4149600"/>
-          </a:xfrm>
-          <a:prstGeom prst="rect">
-            <a:avLst/>
-          </a:prstGeom>
-        </p:spPr>
-        <p:txBody>
-          <a:bodyPr lIns="121900" tIns="121900" rIns="121900" bIns="121900" anchor="t" anchorCtr="0">
-            <a:noAutofit/>
-          </a:bodyPr>
-          <a:lstStyle/>
-          <a:p>
-            <a:pPr marL="457200" lvl="0" indent="-228600" rtl="0">
-              <a:spcBef>
-                <a:spcPts val="0"/>
-              </a:spcBef>
-            </a:pPr>
-            <a:r>
-              <a:rPr lang="en-US" altLang="en-GB"/>
-              <a:t>VCC -&gt; 5V</a:t>
-            </a:r>
-            <a:endParaRPr lang="en-US" altLang="en-GB"/>
-          </a:p>
-          <a:p>
-            <a:pPr marL="457200" lvl="0" indent="-228600" rtl="0">
-              <a:spcBef>
-                <a:spcPts val="0"/>
-              </a:spcBef>
-            </a:pPr>
-            <a:r>
-              <a:rPr lang="en-US" altLang="en-GB"/>
-              <a:t>GND -&gt; GND</a:t>
-            </a:r>
-            <a:endParaRPr lang="en-US" altLang="en-GB"/>
-          </a:p>
-          <a:p>
-            <a:pPr marL="457200" lvl="0" indent="-228600" rtl="0">
-              <a:spcBef>
-                <a:spcPts val="0"/>
-              </a:spcBef>
-            </a:pPr>
-            <a:r>
-              <a:rPr lang="en-US" altLang="en-GB"/>
-              <a:t>SDA -&gt; A4</a:t>
-            </a:r>
-            <a:endParaRPr lang="en-US" altLang="en-GB"/>
-          </a:p>
-          <a:p>
-            <a:pPr marL="457200" lvl="0" indent="-228600" rtl="0">
-              <a:spcBef>
-                <a:spcPts val="0"/>
-              </a:spcBef>
-            </a:pPr>
-            <a:r>
-              <a:rPr lang="en-US" altLang="en-GB"/>
-              <a:t>SCL -&gt; A5 </a:t>
-            </a:r>
-            <a:endParaRPr lang="en-US" altLang="en-GB"/>
-          </a:p>
-          <a:p>
-            <a:pPr marL="457200" lvl="0" indent="-228600" rtl="0">
-              <a:spcBef>
-                <a:spcPts val="0"/>
-              </a:spcBef>
-            </a:pPr>
-            <a:endParaRPr lang="en-US" altLang="en-GB"/>
-          </a:p>
-          <a:p>
-            <a:pPr marL="457200" lvl="0" indent="-228600" rtl="0">
-              <a:spcBef>
-                <a:spcPts val="0"/>
-              </a:spcBef>
-            </a:pPr>
-            <a:endParaRPr lang="en-US" altLang="en-GB"/>
-          </a:p>
-          <a:p>
-            <a:pPr lvl="0">
-              <a:spcBef>
-                <a:spcPts val="0"/>
-              </a:spcBef>
-              <a:buNone/>
-            </a:pPr>
-          </a:p>
-        </p:txBody>
-      </p:sp>
-      <p:pic>
-        <p:nvPicPr>
-          <p:cNvPr id="2" name="图片 1" descr="400px-1602I2C_3"/>
-          <p:cNvPicPr>
-            <a:picLocks noChangeAspect="1"/>
-          </p:cNvPicPr>
-          <p:nvPr/>
-        </p:nvPicPr>
-        <p:blipFill>
-          <a:blip r:embed="rId1"/>
-          <a:stretch>
-            <a:fillRect/>
-          </a:stretch>
-        </p:blipFill>
-        <p:spPr>
-          <a:xfrm>
-            <a:off x="5908040" y="2651125"/>
-            <a:ext cx="4224655" cy="3157855"/>
-          </a:xfrm>
-          <a:prstGeom prst="rect">
-            <a:avLst/>
-          </a:prstGeom>
-        </p:spPr>
-      </p:pic>
-    </p:spTree>
-  </p:cSld>
-  <p:clrMapOvr>
-    <a:masterClrMapping/>
-  </p:clrMapOvr>
-</p:sld>
-</file>
-
-<file path=ppt/slides/slide6.xml><?xml version="1.0" encoding="utf-8"?>
+<file path=ppt/slides/slide14.xml><?xml version="1.0" encoding="utf-8"?>
 <p:sld xmlns:a="http://schemas.openxmlformats.org/drawingml/2006/main" xmlns:r="http://schemas.openxmlformats.org/officeDocument/2006/relationships" xmlns:p="http://schemas.openxmlformats.org/presentationml/2006/main">
   <p:cSld>
     <p:spTree>
@@ -6080,7 +6024,7 @@
           <a:p>
             <a:r>
               <a:rPr lang="en-US" altLang="zh-CN"/>
-              <a:t>Adding third-party libraries </a:t>
+              <a:t>... so how to correct it?</a:t>
             </a:r>
             <a:endParaRPr lang="en-US" altLang="zh-CN"/>
           </a:p>
@@ -6100,34 +6044,23 @@
           <a:p>
             <a:r>
               <a:rPr lang="en-US" altLang="zh-CN"/>
-              <a:t>Download the LiquidCrystal-I2C library from here:</a:t>
+              <a:t>If you adjust the servo by re-programming, it's going to take a lot of time.</a:t>
             </a:r>
             <a:endParaRPr lang="en-US" altLang="zh-CN"/>
           </a:p>
           <a:p>
             <a:r>
-              <a:rPr lang="zh-CN" altLang="en-US"/>
-              <a:t>https://github.com/fdebrabander/Arduino-LiquidCrystal-I2C-library</a:t>
+              <a:rPr lang="en-US" altLang="zh-CN"/>
+              <a:t>You may use the PS2 controller to adjust the servo's position, then save the upright angle to the EEPROM.</a:t>
             </a:r>
-            <a:endParaRPr lang="zh-CN" altLang="en-US"/>
+            <a:endParaRPr lang="en-US" altLang="zh-CN"/>
           </a:p>
           <a:p>
             <a:r>
               <a:rPr lang="en-US" altLang="zh-CN"/>
-              <a:t>Then Sketch -&gt; Include library -&gt; Add .zip library</a:t>
+              <a:t>Since the servo only moves from 0 to 180 degrees, use the LCD to display the servo's current angle. (You might find that you need to re-install!)</a:t>
             </a:r>
             <a:endParaRPr lang="en-US" altLang="zh-CN"/>
-          </a:p>
-          <a:p>
-            <a:r>
-              <a:rPr lang="en-US" altLang="zh-CN">
-                <a:ea typeface="宋体" panose="02010600030101010101" pitchFamily="2" charset="-122"/>
-              </a:rPr>
-              <a:t>Add #include &lt;LiquidCrystal_I2C.h&gt; to your code and you're ready to go!</a:t>
-            </a:r>
-            <a:endParaRPr lang="en-US" altLang="zh-CN">
-              <a:ea typeface="宋体" panose="02010600030101010101" pitchFamily="2" charset="-122"/>
-            </a:endParaRPr>
           </a:p>
         </p:txBody>
       </p:sp>
@@ -6139,7 +6072,122 @@
 </p:sld>
 </file>
 
-<file path=ppt/slides/slide7.xml><?xml version="1.0" encoding="utf-8"?>
+<file path=ppt/slides/slide15.xml><?xml version="1.0" encoding="utf-8"?>
+<p:sld xmlns:a="http://schemas.openxmlformats.org/drawingml/2006/main" xmlns:r="http://schemas.openxmlformats.org/officeDocument/2006/relationships" xmlns:p="http://schemas.openxmlformats.org/presentationml/2006/main">
+  <p:cSld>
+    <p:spTree>
+      <p:nvGrpSpPr>
+        <p:cNvPr id="1" name=""/>
+        <p:cNvGrpSpPr/>
+        <p:nvPr/>
+      </p:nvGrpSpPr>
+      <p:grpSpPr/>
+      <p:sp>
+        <p:nvSpPr>
+          <p:cNvPr id="2" name="标题 1"/>
+          <p:cNvSpPr/>
+          <p:nvPr>
+            <p:ph type="title"/>
+          </p:nvPr>
+        </p:nvSpPr>
+        <p:spPr/>
+        <p:txBody>
+          <a:bodyPr/>
+          <a:p>
+            <a:r>
+              <a:rPr lang="en-US" altLang="zh-CN"/>
+              <a:t>Free PS2 Giveaway</a:t>
+            </a:r>
+            <a:endParaRPr lang="en-US" altLang="zh-CN"/>
+          </a:p>
+        </p:txBody>
+      </p:sp>
+      <p:sp>
+        <p:nvSpPr>
+          <p:cNvPr id="3" name="文本占位符 2"/>
+          <p:cNvSpPr/>
+          <p:nvPr>
+            <p:ph type="body" idx="1"/>
+          </p:nvPr>
+        </p:nvSpPr>
+        <p:spPr>
+          <a:xfrm>
+            <a:off x="1841500" y="2155190"/>
+            <a:ext cx="9079865" cy="4501515"/>
+          </a:xfrm>
+        </p:spPr>
+        <p:txBody>
+          <a:bodyPr/>
+          <a:p>
+            <a:r>
+              <a:rPr lang="en-US" altLang="zh-CN"/>
+              <a:t>Your rig needs to have those features, namely</a:t>
+            </a:r>
+            <a:endParaRPr lang="en-US" altLang="zh-CN"/>
+          </a:p>
+          <a:p>
+            <a:pPr>
+              <a:buFont typeface="Wingdings" panose="05000000000000000000" charset="0"/>
+              <a:buChar char="p"/>
+            </a:pPr>
+            <a:r>
+              <a:rPr lang="en-US" altLang="zh-CN"/>
+              <a:t>Adjusting Servo's angle with the controller</a:t>
+            </a:r>
+            <a:endParaRPr lang="en-US" altLang="zh-CN"/>
+          </a:p>
+          <a:p>
+            <a:pPr>
+              <a:buFont typeface="Wingdings" panose="05000000000000000000" charset="0"/>
+              <a:buChar char="p"/>
+            </a:pPr>
+            <a:r>
+              <a:rPr lang="en-US" altLang="zh-CN"/>
+              <a:t>Saving the upright angle to the EEPROM &amp; restoring the upright angle</a:t>
+            </a:r>
+            <a:endParaRPr lang="en-US" altLang="zh-CN"/>
+          </a:p>
+          <a:p>
+            <a:pPr>
+              <a:buFont typeface="Wingdings" panose="05000000000000000000" charset="0"/>
+              <a:buChar char="p"/>
+            </a:pPr>
+            <a:r>
+              <a:rPr lang="en-US" altLang="zh-CN"/>
+              <a:t>LCD/Serial display of the Servo's angle.</a:t>
+            </a:r>
+            <a:endParaRPr lang="en-US" altLang="zh-CN"/>
+          </a:p>
+          <a:p>
+            <a:pPr>
+              <a:buFont typeface="Wingdings" panose="05000000000000000000" charset="0"/>
+              <a:buChar char="p"/>
+            </a:pPr>
+            <a:r>
+              <a:rPr lang="en-US" altLang="zh-CN"/>
+              <a:t>Vibrational feedback when the Servo hits limit.</a:t>
+            </a:r>
+            <a:endParaRPr lang="en-US" altLang="zh-CN"/>
+          </a:p>
+          <a:p>
+            <a:pPr/>
+            <a:r>
+              <a:rPr lang="en-US" altLang="zh-CN" sz="2800"/>
+              <a:t>The first 3 groups that finish will have free PS2 Controller Kits!</a:t>
+            </a:r>
+            <a:endParaRPr lang="en-US" altLang="zh-CN" sz="2800"/>
+          </a:p>
+        </p:txBody>
+      </p:sp>
+    </p:spTree>
+  </p:cSld>
+  <p:clrMapOvr>
+    <a:masterClrMapping/>
+  </p:clrMapOvr>
+</p:sld>
+</file>
+
+<file path=ppt/slides/slide16.xml><?xml version="1.0" encoding="utf-8"?>
 <p:sld xmlns:a="http://schemas.openxmlformats.org/drawingml/2006/main" xmlns:r="http://schemas.openxmlformats.org/officeDocument/2006/relationships" xmlns:p="http://schemas.openxmlformats.org/presentationml/2006/main">
   <p:cSld>
     <p:spTree>
@@ -6859,6 +6907,1106 @@
           </p:txBody>
         </p:sp>
       </p:grpSp>
+    </p:spTree>
+  </p:cSld>
+  <p:clrMapOvr>
+    <a:masterClrMapping/>
+  </p:clrMapOvr>
+</p:sld>
+</file>
+
+<file path=ppt/slides/slide2.xml><?xml version="1.0" encoding="utf-8"?>
+<p:sld xmlns:a="http://schemas.openxmlformats.org/drawingml/2006/main" xmlns:r="http://schemas.openxmlformats.org/officeDocument/2006/relationships" xmlns:p="http://schemas.openxmlformats.org/presentationml/2006/main">
+  <p:cSld>
+    <p:spTree>
+      <p:nvGrpSpPr>
+        <p:cNvPr id="98" name="Shape 98"/>
+        <p:cNvGrpSpPr/>
+        <p:nvPr/>
+      </p:nvGrpSpPr>
+      <p:grpSpPr>
+        <a:xfrm>
+          <a:off x="0" y="0"/>
+          <a:ext cx="0" cy="0"/>
+          <a:chOff x="0" y="0"/>
+          <a:chExt cx="0" cy="0"/>
+        </a:xfrm>
+      </p:grpSpPr>
+      <p:sp>
+        <p:nvSpPr>
+          <p:cNvPr id="99" name="Shape 99"/>
+          <p:cNvSpPr txBox="1"/>
+          <p:nvPr>
+            <p:ph type="ctrTitle"/>
+          </p:nvPr>
+        </p:nvSpPr>
+        <p:spPr>
+          <a:xfrm>
+            <a:off x="2696300" y="2258031"/>
+            <a:ext cx="5050399" cy="1546399"/>
+          </a:xfrm>
+          <a:prstGeom prst="rect">
+            <a:avLst/>
+          </a:prstGeom>
+        </p:spPr>
+        <p:txBody>
+          <a:bodyPr lIns="121900" tIns="121900" rIns="121900" bIns="121900" anchor="b" anchorCtr="0">
+            <a:noAutofit/>
+          </a:bodyPr>
+          <a:lstStyle/>
+          <a:p>
+            <a:pPr lvl="0" rtl="0">
+              <a:spcBef>
+                <a:spcPts val="0"/>
+              </a:spcBef>
+              <a:buNone/>
+            </a:pPr>
+            <a:r>
+              <a:rPr lang="en-US" altLang="en-GB"/>
+              <a:t>Using LCD display</a:t>
+            </a:r>
+            <a:endParaRPr lang="en-US" altLang="en-GB"/>
+          </a:p>
+        </p:txBody>
+      </p:sp>
+      <p:sp>
+        <p:nvSpPr>
+          <p:cNvPr id="100" name="Shape 100"/>
+          <p:cNvSpPr txBox="1"/>
+          <p:nvPr>
+            <p:ph type="subTitle" idx="1"/>
+          </p:nvPr>
+        </p:nvSpPr>
+        <p:spPr>
+          <a:xfrm>
+            <a:off x="2696400" y="3754564"/>
+            <a:ext cx="7455200" cy="1046399"/>
+          </a:xfrm>
+          <a:prstGeom prst="rect">
+            <a:avLst/>
+          </a:prstGeom>
+        </p:spPr>
+        <p:txBody>
+          <a:bodyPr lIns="121900" tIns="121900" rIns="121900" bIns="121900" anchor="t" anchorCtr="0">
+            <a:noAutofit/>
+          </a:bodyPr>
+          <a:lstStyle/>
+          <a:p>
+            <a:pPr lvl="0" rtl="0">
+              <a:spcBef>
+                <a:spcPts val="0"/>
+              </a:spcBef>
+              <a:buNone/>
+            </a:pPr>
+            <a:r>
+              <a:rPr lang="en-US" altLang="en-GB"/>
+              <a:t>Debug swiftly on-the-go.</a:t>
+            </a:r>
+            <a:endParaRPr lang="en-US" altLang="en-GB"/>
+          </a:p>
+        </p:txBody>
+      </p:sp>
+      <p:sp>
+        <p:nvSpPr>
+          <p:cNvPr id="101" name="Shape 101"/>
+          <p:cNvSpPr txBox="1"/>
+          <p:nvPr/>
+        </p:nvSpPr>
+        <p:spPr>
+          <a:xfrm>
+            <a:off x="1511967" y="3054867"/>
+            <a:ext cx="725199" cy="749599"/>
+          </a:xfrm>
+          <a:prstGeom prst="rect">
+            <a:avLst/>
+          </a:prstGeom>
+          <a:noFill/>
+          <a:ln>
+            <a:noFill/>
+          </a:ln>
+        </p:spPr>
+        <p:txBody>
+          <a:bodyPr lIns="121900" tIns="121900" rIns="121900" bIns="121900" anchor="ctr" anchorCtr="0">
+            <a:noAutofit/>
+          </a:bodyPr>
+          <a:lstStyle/>
+          <a:p>
+            <a:pPr lvl="0" algn="ctr">
+              <a:spcBef>
+                <a:spcPts val="0"/>
+              </a:spcBef>
+              <a:buNone/>
+            </a:pPr>
+            <a:r>
+              <a:rPr lang="en-GB" sz="3200">
+                <a:solidFill>
+                  <a:schemeClr val="dk1"/>
+                </a:solidFill>
+                <a:latin typeface="Lora" panose="00000500000000000000"/>
+                <a:ea typeface="Lora" panose="00000500000000000000"/>
+                <a:cs typeface="Lora" panose="00000500000000000000"/>
+                <a:sym typeface="Lora" panose="00000500000000000000"/>
+              </a:rPr>
+              <a:t>1</a:t>
+            </a:r>
+            <a:endParaRPr lang="en-GB" sz="3200">
+              <a:solidFill>
+                <a:schemeClr val="dk1"/>
+              </a:solidFill>
+              <a:latin typeface="Lora" panose="00000500000000000000"/>
+              <a:ea typeface="Lora" panose="00000500000000000000"/>
+              <a:cs typeface="Lora" panose="00000500000000000000"/>
+              <a:sym typeface="Lora" panose="00000500000000000000"/>
+            </a:endParaRPr>
+          </a:p>
+        </p:txBody>
+      </p:sp>
+    </p:spTree>
+  </p:cSld>
+  <p:clrMapOvr>
+    <a:masterClrMapping/>
+  </p:clrMapOvr>
+</p:sld>
+</file>
+
+<file path=ppt/slides/slide3.xml><?xml version="1.0" encoding="utf-8"?>
+<p:sld xmlns:a="http://schemas.openxmlformats.org/drawingml/2006/main" xmlns:r="http://schemas.openxmlformats.org/officeDocument/2006/relationships" xmlns:p="http://schemas.openxmlformats.org/presentationml/2006/main">
+  <p:cSld>
+    <p:spTree>
+      <p:nvGrpSpPr>
+        <p:cNvPr id="110" name="Shape 110"/>
+        <p:cNvGrpSpPr/>
+        <p:nvPr/>
+      </p:nvGrpSpPr>
+      <p:grpSpPr>
+        <a:xfrm>
+          <a:off x="0" y="0"/>
+          <a:ext cx="0" cy="0"/>
+          <a:chOff x="0" y="0"/>
+          <a:chExt cx="0" cy="0"/>
+        </a:xfrm>
+      </p:grpSpPr>
+      <p:sp>
+        <p:nvSpPr>
+          <p:cNvPr id="111" name="Shape 111"/>
+          <p:cNvSpPr txBox="1"/>
+          <p:nvPr>
+            <p:ph type="title"/>
+          </p:nvPr>
+        </p:nvSpPr>
+        <p:spPr>
+          <a:xfrm>
+            <a:off x="1841667" y="1230224"/>
+            <a:ext cx="5171199" cy="580799"/>
+          </a:xfrm>
+          <a:prstGeom prst="rect">
+            <a:avLst/>
+          </a:prstGeom>
+        </p:spPr>
+        <p:txBody>
+          <a:bodyPr lIns="121900" tIns="121900" rIns="121900" bIns="121900" anchor="ctr" anchorCtr="0">
+            <a:noAutofit/>
+          </a:bodyPr>
+          <a:lstStyle/>
+          <a:p>
+            <a:pPr lvl="0">
+              <a:spcBef>
+                <a:spcPts val="0"/>
+              </a:spcBef>
+              <a:buNone/>
+            </a:pPr>
+            <a:r>
+              <a:rPr lang="en-US" altLang="en-GB"/>
+              <a:t>Why LCD?</a:t>
+            </a:r>
+            <a:endParaRPr lang="en-US" altLang="en-GB">
+              <a:highlight>
+                <a:srgbClr val="FFCD00"/>
+              </a:highlight>
+            </a:endParaRPr>
+          </a:p>
+        </p:txBody>
+      </p:sp>
+      <p:sp>
+        <p:nvSpPr>
+          <p:cNvPr id="112" name="Shape 112"/>
+          <p:cNvSpPr txBox="1"/>
+          <p:nvPr>
+            <p:ph type="body" idx="1"/>
+          </p:nvPr>
+        </p:nvSpPr>
+        <p:spPr>
+          <a:xfrm>
+            <a:off x="1841667" y="2155293"/>
+            <a:ext cx="9079600" cy="4149600"/>
+          </a:xfrm>
+          <a:prstGeom prst="rect">
+            <a:avLst/>
+          </a:prstGeom>
+        </p:spPr>
+        <p:txBody>
+          <a:bodyPr lIns="121900" tIns="121900" rIns="121900" bIns="121900" anchor="t" anchorCtr="0">
+            <a:noAutofit/>
+          </a:bodyPr>
+          <a:lstStyle/>
+          <a:p>
+            <a:pPr marL="457200" lvl="0" indent="-228600" rtl="0">
+              <a:spcBef>
+                <a:spcPts val="0"/>
+              </a:spcBef>
+            </a:pPr>
+            <a:r>
+              <a:rPr lang="en-US" altLang="en-GB"/>
+              <a:t>It enables you to display &amp; see debug output on-the-go, i.e. no need to plug into your PC.</a:t>
+            </a:r>
+            <a:endParaRPr lang="en-US" altLang="en-GB"/>
+          </a:p>
+          <a:p>
+            <a:pPr marL="457200" lvl="0" indent="-228600" rtl="0">
+              <a:spcBef>
+                <a:spcPts val="0"/>
+              </a:spcBef>
+            </a:pPr>
+            <a:r>
+              <a:rPr lang="en-US" altLang="en-GB"/>
+              <a:t>Accelerates your development</a:t>
+            </a:r>
+            <a:endParaRPr lang="en-US" altLang="en-GB"/>
+          </a:p>
+          <a:p>
+            <a:pPr marL="457200" lvl="0" indent="-228600" rtl="0">
+              <a:spcBef>
+                <a:spcPts val="0"/>
+              </a:spcBef>
+            </a:pPr>
+            <a:endParaRPr lang="en-US" altLang="en-GB"/>
+          </a:p>
+          <a:p>
+            <a:pPr marL="457200" lvl="0" indent="-228600" rtl="0">
+              <a:spcBef>
+                <a:spcPts val="0"/>
+              </a:spcBef>
+            </a:pPr>
+            <a:endParaRPr lang="en-US" altLang="en-GB"/>
+          </a:p>
+          <a:p>
+            <a:pPr lvl="0">
+              <a:spcBef>
+                <a:spcPts val="0"/>
+              </a:spcBef>
+              <a:buNone/>
+            </a:pPr>
+          </a:p>
+        </p:txBody>
+      </p:sp>
+      <p:pic>
+        <p:nvPicPr>
+          <p:cNvPr id="1" name="图片 0" descr="i2c-serial-lcd-1602-module"/>
+          <p:cNvPicPr>
+            <a:picLocks noChangeAspect="1"/>
+          </p:cNvPicPr>
+          <p:nvPr/>
+        </p:nvPicPr>
+        <p:blipFill>
+          <a:blip r:embed="rId1"/>
+          <a:stretch>
+            <a:fillRect/>
+          </a:stretch>
+        </p:blipFill>
+        <p:spPr>
+          <a:xfrm>
+            <a:off x="4976495" y="3801110"/>
+            <a:ext cx="2809875" cy="2809875"/>
+          </a:xfrm>
+          <a:prstGeom prst="rect">
+            <a:avLst/>
+          </a:prstGeom>
+        </p:spPr>
+      </p:pic>
+    </p:spTree>
+  </p:cSld>
+  <p:clrMapOvr>
+    <a:masterClrMapping/>
+  </p:clrMapOvr>
+</p:sld>
+</file>
+
+<file path=ppt/slides/slide4.xml><?xml version="1.0" encoding="utf-8"?>
+<p:sld xmlns:a="http://schemas.openxmlformats.org/drawingml/2006/main" xmlns:r="http://schemas.openxmlformats.org/officeDocument/2006/relationships" xmlns:p="http://schemas.openxmlformats.org/presentationml/2006/main">
+  <p:cSld>
+    <p:spTree>
+      <p:nvGrpSpPr>
+        <p:cNvPr id="110" name="Shape 110"/>
+        <p:cNvGrpSpPr/>
+        <p:nvPr/>
+      </p:nvGrpSpPr>
+      <p:grpSpPr>
+        <a:xfrm>
+          <a:off x="0" y="0"/>
+          <a:ext cx="0" cy="0"/>
+          <a:chOff x="0" y="0"/>
+          <a:chExt cx="0" cy="0"/>
+        </a:xfrm>
+      </p:grpSpPr>
+      <p:sp>
+        <p:nvSpPr>
+          <p:cNvPr id="111" name="Shape 111"/>
+          <p:cNvSpPr txBox="1"/>
+          <p:nvPr>
+            <p:ph type="title"/>
+          </p:nvPr>
+        </p:nvSpPr>
+        <p:spPr>
+          <a:xfrm>
+            <a:off x="1841667" y="1230224"/>
+            <a:ext cx="5171199" cy="580799"/>
+          </a:xfrm>
+          <a:prstGeom prst="rect">
+            <a:avLst/>
+          </a:prstGeom>
+        </p:spPr>
+        <p:txBody>
+          <a:bodyPr lIns="121900" tIns="121900" rIns="121900" bIns="121900" anchor="ctr" anchorCtr="0">
+            <a:noAutofit/>
+          </a:bodyPr>
+          <a:lstStyle/>
+          <a:p>
+            <a:pPr lvl="0">
+              <a:spcBef>
+                <a:spcPts val="0"/>
+              </a:spcBef>
+              <a:buNone/>
+            </a:pPr>
+            <a:r>
+              <a:rPr lang="en-US" altLang="en-GB">
+                <a:highlight>
+                  <a:srgbClr val="FFCD00"/>
+                </a:highlight>
+              </a:rPr>
+              <a:t>Choose an appropriate LCD</a:t>
+            </a:r>
+            <a:endParaRPr lang="en-US" altLang="en-GB">
+              <a:highlight>
+                <a:srgbClr val="FFCD00"/>
+              </a:highlight>
+            </a:endParaRPr>
+          </a:p>
+        </p:txBody>
+      </p:sp>
+      <p:sp>
+        <p:nvSpPr>
+          <p:cNvPr id="112" name="Shape 112"/>
+          <p:cNvSpPr txBox="1"/>
+          <p:nvPr>
+            <p:ph type="body" idx="1"/>
+          </p:nvPr>
+        </p:nvSpPr>
+        <p:spPr>
+          <a:xfrm>
+            <a:off x="1841667" y="2155293"/>
+            <a:ext cx="9079600" cy="4149600"/>
+          </a:xfrm>
+          <a:prstGeom prst="rect">
+            <a:avLst/>
+          </a:prstGeom>
+        </p:spPr>
+        <p:txBody>
+          <a:bodyPr lIns="121900" tIns="121900" rIns="121900" bIns="121900" anchor="t" anchorCtr="0">
+            <a:noAutofit/>
+          </a:bodyPr>
+          <a:lstStyle/>
+          <a:p>
+            <a:pPr marL="457200" lvl="0" indent="-228600" rtl="0">
+              <a:spcBef>
+                <a:spcPts val="0"/>
+              </a:spcBef>
+            </a:pPr>
+            <a:r>
+              <a:rPr lang="en-US" altLang="en-GB"/>
+              <a:t>LCDs with I2C pins are favorable (less pins needed than those that don't have it)</a:t>
+            </a:r>
+            <a:endParaRPr lang="en-US" altLang="en-GB"/>
+          </a:p>
+          <a:p>
+            <a:pPr marL="457200" lvl="0" indent="-228600" rtl="0">
+              <a:spcBef>
+                <a:spcPts val="0"/>
+              </a:spcBef>
+            </a:pPr>
+            <a:endParaRPr lang="en-US" altLang="en-GB"/>
+          </a:p>
+          <a:p>
+            <a:pPr marL="457200" lvl="0" indent="-228600" rtl="0">
+              <a:spcBef>
+                <a:spcPts val="0"/>
+              </a:spcBef>
+            </a:pPr>
+            <a:endParaRPr lang="en-US" altLang="en-GB"/>
+          </a:p>
+          <a:p>
+            <a:pPr lvl="0">
+              <a:spcBef>
+                <a:spcPts val="0"/>
+              </a:spcBef>
+              <a:buNone/>
+            </a:pPr>
+          </a:p>
+        </p:txBody>
+      </p:sp>
+      <p:pic>
+        <p:nvPicPr>
+          <p:cNvPr id="2" name="图片 1" descr="400px-1602I2C_3"/>
+          <p:cNvPicPr>
+            <a:picLocks noChangeAspect="1"/>
+          </p:cNvPicPr>
+          <p:nvPr/>
+        </p:nvPicPr>
+        <p:blipFill>
+          <a:blip r:embed="rId1"/>
+          <a:stretch>
+            <a:fillRect/>
+          </a:stretch>
+        </p:blipFill>
+        <p:spPr>
+          <a:xfrm>
+            <a:off x="3983990" y="3265170"/>
+            <a:ext cx="4224655" cy="3157855"/>
+          </a:xfrm>
+          <a:prstGeom prst="rect">
+            <a:avLst/>
+          </a:prstGeom>
+        </p:spPr>
+      </p:pic>
+    </p:spTree>
+  </p:cSld>
+  <p:clrMapOvr>
+    <a:masterClrMapping/>
+  </p:clrMapOvr>
+</p:sld>
+</file>
+
+<file path=ppt/slides/slide5.xml><?xml version="1.0" encoding="utf-8"?>
+<p:sld xmlns:a="http://schemas.openxmlformats.org/drawingml/2006/main" xmlns:r="http://schemas.openxmlformats.org/officeDocument/2006/relationships" xmlns:p="http://schemas.openxmlformats.org/presentationml/2006/main">
+  <p:cSld>
+    <p:spTree>
+      <p:nvGrpSpPr>
+        <p:cNvPr id="110" name="Shape 110"/>
+        <p:cNvGrpSpPr/>
+        <p:nvPr/>
+      </p:nvGrpSpPr>
+      <p:grpSpPr>
+        <a:xfrm>
+          <a:off x="0" y="0"/>
+          <a:ext cx="0" cy="0"/>
+          <a:chOff x="0" y="0"/>
+          <a:chExt cx="0" cy="0"/>
+        </a:xfrm>
+      </p:grpSpPr>
+      <p:sp>
+        <p:nvSpPr>
+          <p:cNvPr id="111" name="Shape 111"/>
+          <p:cNvSpPr txBox="1"/>
+          <p:nvPr>
+            <p:ph type="title"/>
+          </p:nvPr>
+        </p:nvSpPr>
+        <p:spPr>
+          <a:xfrm>
+            <a:off x="1841667" y="1230224"/>
+            <a:ext cx="5171199" cy="580799"/>
+          </a:xfrm>
+          <a:prstGeom prst="rect">
+            <a:avLst/>
+          </a:prstGeom>
+        </p:spPr>
+        <p:txBody>
+          <a:bodyPr lIns="121900" tIns="121900" rIns="121900" bIns="121900" anchor="ctr" anchorCtr="0">
+            <a:noAutofit/>
+          </a:bodyPr>
+          <a:lstStyle/>
+          <a:p>
+            <a:pPr lvl="0">
+              <a:spcBef>
+                <a:spcPts val="0"/>
+              </a:spcBef>
+              <a:buNone/>
+            </a:pPr>
+            <a:r>
+              <a:rPr lang="en-US" altLang="en-GB">
+                <a:highlight>
+                  <a:srgbClr val="FFCD00"/>
+                </a:highlight>
+              </a:rPr>
+              <a:t>Connection</a:t>
+            </a:r>
+            <a:endParaRPr lang="en-US" altLang="en-GB">
+              <a:highlight>
+                <a:srgbClr val="FFCD00"/>
+              </a:highlight>
+            </a:endParaRPr>
+          </a:p>
+        </p:txBody>
+      </p:sp>
+      <p:sp>
+        <p:nvSpPr>
+          <p:cNvPr id="112" name="Shape 112"/>
+          <p:cNvSpPr txBox="1"/>
+          <p:nvPr>
+            <p:ph type="body" idx="1"/>
+          </p:nvPr>
+        </p:nvSpPr>
+        <p:spPr>
+          <a:xfrm>
+            <a:off x="1841667" y="2155293"/>
+            <a:ext cx="9079600" cy="4149600"/>
+          </a:xfrm>
+          <a:prstGeom prst="rect">
+            <a:avLst/>
+          </a:prstGeom>
+        </p:spPr>
+        <p:txBody>
+          <a:bodyPr lIns="121900" tIns="121900" rIns="121900" bIns="121900" anchor="t" anchorCtr="0">
+            <a:noAutofit/>
+          </a:bodyPr>
+          <a:lstStyle/>
+          <a:p>
+            <a:pPr marL="457200" lvl="0" indent="-228600" rtl="0">
+              <a:spcBef>
+                <a:spcPts val="0"/>
+              </a:spcBef>
+            </a:pPr>
+            <a:r>
+              <a:rPr lang="en-US" altLang="en-GB"/>
+              <a:t>VCC -&gt; 5V</a:t>
+            </a:r>
+            <a:endParaRPr lang="en-US" altLang="en-GB"/>
+          </a:p>
+          <a:p>
+            <a:pPr marL="457200" lvl="0" indent="-228600" rtl="0">
+              <a:spcBef>
+                <a:spcPts val="0"/>
+              </a:spcBef>
+            </a:pPr>
+            <a:r>
+              <a:rPr lang="en-US" altLang="en-GB"/>
+              <a:t>GND -&gt; GND</a:t>
+            </a:r>
+            <a:endParaRPr lang="en-US" altLang="en-GB"/>
+          </a:p>
+          <a:p>
+            <a:pPr marL="457200" lvl="0" indent="-228600" rtl="0">
+              <a:spcBef>
+                <a:spcPts val="0"/>
+              </a:spcBef>
+            </a:pPr>
+            <a:r>
+              <a:rPr lang="en-US" altLang="en-GB"/>
+              <a:t>SDA -&gt; A4</a:t>
+            </a:r>
+            <a:endParaRPr lang="en-US" altLang="en-GB"/>
+          </a:p>
+          <a:p>
+            <a:pPr marL="457200" lvl="0" indent="-228600" rtl="0">
+              <a:spcBef>
+                <a:spcPts val="0"/>
+              </a:spcBef>
+            </a:pPr>
+            <a:r>
+              <a:rPr lang="en-US" altLang="en-GB"/>
+              <a:t>SCL -&gt; A5 </a:t>
+            </a:r>
+            <a:endParaRPr lang="en-US" altLang="en-GB"/>
+          </a:p>
+          <a:p>
+            <a:pPr marL="457200" lvl="0" indent="-228600" rtl="0">
+              <a:spcBef>
+                <a:spcPts val="0"/>
+              </a:spcBef>
+            </a:pPr>
+            <a:endParaRPr lang="en-US" altLang="en-GB"/>
+          </a:p>
+          <a:p>
+            <a:pPr marL="457200" lvl="0" indent="-228600" rtl="0">
+              <a:spcBef>
+                <a:spcPts val="0"/>
+              </a:spcBef>
+            </a:pPr>
+            <a:endParaRPr lang="en-US" altLang="en-GB"/>
+          </a:p>
+          <a:p>
+            <a:pPr lvl="0">
+              <a:spcBef>
+                <a:spcPts val="0"/>
+              </a:spcBef>
+              <a:buNone/>
+            </a:pPr>
+          </a:p>
+        </p:txBody>
+      </p:sp>
+      <p:pic>
+        <p:nvPicPr>
+          <p:cNvPr id="2" name="图片 1" descr="400px-1602I2C_3"/>
+          <p:cNvPicPr>
+            <a:picLocks noChangeAspect="1"/>
+          </p:cNvPicPr>
+          <p:nvPr/>
+        </p:nvPicPr>
+        <p:blipFill>
+          <a:blip r:embed="rId1"/>
+          <a:stretch>
+            <a:fillRect/>
+          </a:stretch>
+        </p:blipFill>
+        <p:spPr>
+          <a:xfrm>
+            <a:off x="5908040" y="2651125"/>
+            <a:ext cx="4224655" cy="3157855"/>
+          </a:xfrm>
+          <a:prstGeom prst="rect">
+            <a:avLst/>
+          </a:prstGeom>
+        </p:spPr>
+      </p:pic>
+    </p:spTree>
+  </p:cSld>
+  <p:clrMapOvr>
+    <a:masterClrMapping/>
+  </p:clrMapOvr>
+</p:sld>
+</file>
+
+<file path=ppt/slides/slide6.xml><?xml version="1.0" encoding="utf-8"?>
+<p:sld xmlns:a="http://schemas.openxmlformats.org/drawingml/2006/main" xmlns:r="http://schemas.openxmlformats.org/officeDocument/2006/relationships" xmlns:p="http://schemas.openxmlformats.org/presentationml/2006/main">
+  <p:cSld>
+    <p:spTree>
+      <p:nvGrpSpPr>
+        <p:cNvPr id="1" name=""/>
+        <p:cNvGrpSpPr/>
+        <p:nvPr/>
+      </p:nvGrpSpPr>
+      <p:grpSpPr/>
+      <p:sp>
+        <p:nvSpPr>
+          <p:cNvPr id="2" name="标题 1"/>
+          <p:cNvSpPr/>
+          <p:nvPr>
+            <p:ph type="title"/>
+          </p:nvPr>
+        </p:nvSpPr>
+        <p:spPr/>
+        <p:txBody>
+          <a:bodyPr/>
+          <a:p>
+            <a:r>
+              <a:rPr lang="en-US" altLang="zh-CN"/>
+              <a:t>Adding third-party libraries </a:t>
+            </a:r>
+            <a:endParaRPr lang="en-US" altLang="zh-CN"/>
+          </a:p>
+        </p:txBody>
+      </p:sp>
+      <p:sp>
+        <p:nvSpPr>
+          <p:cNvPr id="3" name="文本占位符 2"/>
+          <p:cNvSpPr/>
+          <p:nvPr>
+            <p:ph type="body" idx="1"/>
+          </p:nvPr>
+        </p:nvSpPr>
+        <p:spPr/>
+        <p:txBody>
+          <a:bodyPr/>
+          <a:p>
+            <a:r>
+              <a:rPr lang="en-US" altLang="zh-CN"/>
+              <a:t>Download the LiquidCrystal-I2C library from here:</a:t>
+            </a:r>
+            <a:endParaRPr lang="en-US" altLang="zh-CN"/>
+          </a:p>
+          <a:p>
+            <a:r>
+              <a:rPr lang="zh-CN" altLang="en-US"/>
+              <a:t>https://github.com/fdebrabander/Arduino-LiquidCrystal-I2C-library</a:t>
+            </a:r>
+            <a:endParaRPr lang="zh-CN" altLang="en-US"/>
+          </a:p>
+          <a:p>
+            <a:r>
+              <a:rPr lang="en-US" altLang="zh-CN"/>
+              <a:t>Then Sketch -&gt; Include library -&gt; Add .zip library</a:t>
+            </a:r>
+            <a:endParaRPr lang="en-US" altLang="zh-CN"/>
+          </a:p>
+          <a:p>
+            <a:r>
+              <a:rPr lang="en-US" altLang="zh-CN">
+                <a:ea typeface="宋体" panose="02010600030101010101" pitchFamily="2" charset="-122"/>
+              </a:rPr>
+              <a:t>Add #include &lt;LiquidCrystal_I2C.h&gt; to your code and you're ready to go!</a:t>
+            </a:r>
+            <a:endParaRPr lang="en-US" altLang="zh-CN">
+              <a:ea typeface="宋体" panose="02010600030101010101" pitchFamily="2" charset="-122"/>
+            </a:endParaRPr>
+          </a:p>
+        </p:txBody>
+      </p:sp>
+    </p:spTree>
+  </p:cSld>
+  <p:clrMapOvr>
+    <a:masterClrMapping/>
+  </p:clrMapOvr>
+</p:sld>
+</file>
+
+<file path=ppt/slides/slide7.xml><?xml version="1.0" encoding="utf-8"?>
+<p:sld xmlns:a="http://schemas.openxmlformats.org/drawingml/2006/main" xmlns:r="http://schemas.openxmlformats.org/officeDocument/2006/relationships" xmlns:p="http://schemas.openxmlformats.org/presentationml/2006/main">
+  <p:cSld>
+    <p:spTree>
+      <p:nvGrpSpPr>
+        <p:cNvPr id="98" name="Shape 98"/>
+        <p:cNvGrpSpPr/>
+        <p:nvPr/>
+      </p:nvGrpSpPr>
+      <p:grpSpPr>
+        <a:xfrm>
+          <a:off x="0" y="0"/>
+          <a:ext cx="0" cy="0"/>
+          <a:chOff x="0" y="0"/>
+          <a:chExt cx="0" cy="0"/>
+        </a:xfrm>
+      </p:grpSpPr>
+      <p:sp>
+        <p:nvSpPr>
+          <p:cNvPr id="99" name="Shape 99"/>
+          <p:cNvSpPr txBox="1"/>
+          <p:nvPr>
+            <p:ph type="ctrTitle"/>
+          </p:nvPr>
+        </p:nvSpPr>
+        <p:spPr>
+          <a:xfrm>
+            <a:off x="2696300" y="2258031"/>
+            <a:ext cx="5050399" cy="1546399"/>
+          </a:xfrm>
+          <a:prstGeom prst="rect">
+            <a:avLst/>
+          </a:prstGeom>
+        </p:spPr>
+        <p:txBody>
+          <a:bodyPr lIns="121900" tIns="121900" rIns="121900" bIns="121900" anchor="b" anchorCtr="0">
+            <a:noAutofit/>
+          </a:bodyPr>
+          <a:lstStyle/>
+          <a:p>
+            <a:pPr lvl="0" rtl="0">
+              <a:spcBef>
+                <a:spcPts val="0"/>
+              </a:spcBef>
+              <a:buNone/>
+            </a:pPr>
+            <a:r>
+              <a:rPr lang="en-US" altLang="en-GB"/>
+              <a:t>PS2 controller</a:t>
+            </a:r>
+            <a:endParaRPr lang="en-US" altLang="en-GB"/>
+          </a:p>
+        </p:txBody>
+      </p:sp>
+      <p:sp>
+        <p:nvSpPr>
+          <p:cNvPr id="100" name="Shape 100"/>
+          <p:cNvSpPr txBox="1"/>
+          <p:nvPr>
+            <p:ph type="subTitle" idx="1"/>
+          </p:nvPr>
+        </p:nvSpPr>
+        <p:spPr>
+          <a:xfrm>
+            <a:off x="2696400" y="3754564"/>
+            <a:ext cx="7455200" cy="1046399"/>
+          </a:xfrm>
+          <a:prstGeom prst="rect">
+            <a:avLst/>
+          </a:prstGeom>
+        </p:spPr>
+        <p:txBody>
+          <a:bodyPr lIns="121900" tIns="121900" rIns="121900" bIns="121900" anchor="t" anchorCtr="0">
+            <a:noAutofit/>
+          </a:bodyPr>
+          <a:lstStyle/>
+          <a:p>
+            <a:pPr lvl="0" rtl="0">
+              <a:spcBef>
+                <a:spcPts val="0"/>
+              </a:spcBef>
+              <a:buNone/>
+            </a:pPr>
+            <a:r>
+              <a:rPr lang="en-US" altLang="en-GB"/>
+              <a:t>Have fun steering your robot!</a:t>
+            </a:r>
+            <a:endParaRPr lang="en-US" altLang="en-GB"/>
+          </a:p>
+        </p:txBody>
+      </p:sp>
+      <p:sp>
+        <p:nvSpPr>
+          <p:cNvPr id="101" name="Shape 101"/>
+          <p:cNvSpPr txBox="1"/>
+          <p:nvPr/>
+        </p:nvSpPr>
+        <p:spPr>
+          <a:xfrm>
+            <a:off x="1511967" y="3054867"/>
+            <a:ext cx="725199" cy="749599"/>
+          </a:xfrm>
+          <a:prstGeom prst="rect">
+            <a:avLst/>
+          </a:prstGeom>
+          <a:noFill/>
+          <a:ln>
+            <a:noFill/>
+          </a:ln>
+        </p:spPr>
+        <p:txBody>
+          <a:bodyPr lIns="121900" tIns="121900" rIns="121900" bIns="121900" anchor="ctr" anchorCtr="0">
+            <a:noAutofit/>
+          </a:bodyPr>
+          <a:lstStyle/>
+          <a:p>
+            <a:pPr lvl="0" algn="ctr">
+              <a:spcBef>
+                <a:spcPts val="0"/>
+              </a:spcBef>
+              <a:buNone/>
+            </a:pPr>
+            <a:r>
+              <a:rPr lang="en-US" altLang="en-GB" sz="3200">
+                <a:solidFill>
+                  <a:schemeClr val="dk1"/>
+                </a:solidFill>
+                <a:latin typeface="Lora" panose="00000500000000000000"/>
+                <a:ea typeface="Lora" panose="00000500000000000000"/>
+                <a:cs typeface="Lora" panose="00000500000000000000"/>
+                <a:sym typeface="Lora" panose="00000500000000000000"/>
+              </a:rPr>
+              <a:t>2</a:t>
+            </a:r>
+            <a:endParaRPr lang="en-US" altLang="en-GB" sz="3200">
+              <a:solidFill>
+                <a:schemeClr val="dk1"/>
+              </a:solidFill>
+              <a:latin typeface="Lora" panose="00000500000000000000"/>
+              <a:ea typeface="Lora" panose="00000500000000000000"/>
+              <a:cs typeface="Lora" panose="00000500000000000000"/>
+              <a:sym typeface="Lora" panose="00000500000000000000"/>
+            </a:endParaRPr>
+          </a:p>
+        </p:txBody>
+      </p:sp>
+    </p:spTree>
+  </p:cSld>
+  <p:clrMapOvr>
+    <a:masterClrMapping/>
+  </p:clrMapOvr>
+</p:sld>
+</file>
+
+<file path=ppt/slides/slide8.xml><?xml version="1.0" encoding="utf-8"?>
+<p:sld xmlns:a="http://schemas.openxmlformats.org/drawingml/2006/main" xmlns:r="http://schemas.openxmlformats.org/officeDocument/2006/relationships" xmlns:p="http://schemas.openxmlformats.org/presentationml/2006/main">
+  <p:cSld>
+    <p:spTree>
+      <p:nvGrpSpPr>
+        <p:cNvPr id="1" name=""/>
+        <p:cNvGrpSpPr/>
+        <p:nvPr/>
+      </p:nvGrpSpPr>
+      <p:grpSpPr/>
+      <p:sp>
+        <p:nvSpPr>
+          <p:cNvPr id="2" name="标题 1"/>
+          <p:cNvSpPr/>
+          <p:nvPr>
+            <p:ph type="title"/>
+          </p:nvPr>
+        </p:nvSpPr>
+        <p:spPr/>
+        <p:txBody>
+          <a:bodyPr/>
+          <a:p>
+            <a:r>
+              <a:rPr lang="en-US" altLang="zh-CN"/>
+              <a:t>Library used</a:t>
+            </a:r>
+            <a:endParaRPr lang="en-US" altLang="zh-CN"/>
+          </a:p>
+        </p:txBody>
+      </p:sp>
+      <p:sp>
+        <p:nvSpPr>
+          <p:cNvPr id="3" name="文本占位符 2"/>
+          <p:cNvSpPr/>
+          <p:nvPr>
+            <p:ph type="body" idx="1"/>
+          </p:nvPr>
+        </p:nvSpPr>
+        <p:spPr/>
+        <p:txBody>
+          <a:bodyPr/>
+          <a:p>
+            <a:r>
+              <a:rPr lang="zh-CN" altLang="en-US"/>
+              <a:t>https://github.com/madsci1016/Arduino-PS2X</a:t>
+            </a:r>
+            <a:endParaRPr lang="zh-CN" altLang="en-US"/>
+          </a:p>
+          <a:p>
+            <a:endParaRPr lang="en-US" altLang="zh-CN"/>
+          </a:p>
+          <a:p>
+            <a:r>
+              <a:rPr lang="en-US" altLang="zh-CN"/>
+              <a:t>Sadly this library has no proper documentation</a:t>
+            </a:r>
+            <a:endParaRPr lang="en-US" altLang="zh-CN"/>
+          </a:p>
+          <a:p>
+            <a:endParaRPr lang="en-US" altLang="zh-CN"/>
+          </a:p>
+          <a:p>
+            <a:r>
+              <a:rPr lang="en-US" altLang="zh-CN"/>
+              <a:t>Open PS2X_lib.h in the library folder for the defined key constants &amp; functions prototypes</a:t>
+            </a:r>
+            <a:endParaRPr lang="en-US" altLang="zh-CN"/>
+          </a:p>
+        </p:txBody>
+      </p:sp>
+    </p:spTree>
+  </p:cSld>
+  <p:clrMapOvr>
+    <a:masterClrMapping/>
+  </p:clrMapOvr>
+</p:sld>
+</file>
+
+<file path=ppt/slides/slide9.xml><?xml version="1.0" encoding="utf-8"?>
+<p:sld xmlns:a="http://schemas.openxmlformats.org/drawingml/2006/main" xmlns:r="http://schemas.openxmlformats.org/officeDocument/2006/relationships" xmlns:p="http://schemas.openxmlformats.org/presentationml/2006/main">
+  <p:cSld>
+    <p:spTree>
+      <p:nvGrpSpPr>
+        <p:cNvPr id="1" name=""/>
+        <p:cNvGrpSpPr/>
+        <p:nvPr/>
+      </p:nvGrpSpPr>
+      <p:grpSpPr/>
+      <p:sp>
+        <p:nvSpPr>
+          <p:cNvPr id="2" name="标题 1"/>
+          <p:cNvSpPr/>
+          <p:nvPr>
+            <p:ph type="title"/>
+          </p:nvPr>
+        </p:nvSpPr>
+        <p:spPr/>
+        <p:txBody>
+          <a:bodyPr/>
+          <a:p>
+            <a:r>
+              <a:rPr lang="en-US" altLang="zh-CN"/>
+              <a:t>Wiring</a:t>
+            </a:r>
+            <a:endParaRPr lang="en-US" altLang="zh-CN"/>
+          </a:p>
+        </p:txBody>
+      </p:sp>
+      <p:sp>
+        <p:nvSpPr>
+          <p:cNvPr id="3" name="文本占位符 2"/>
+          <p:cNvSpPr/>
+          <p:nvPr>
+            <p:ph type="body" idx="1"/>
+          </p:nvPr>
+        </p:nvSpPr>
+        <p:spPr>
+          <a:xfrm>
+            <a:off x="1841500" y="2155190"/>
+            <a:ext cx="3660775" cy="4149725"/>
+          </a:xfrm>
+        </p:spPr>
+        <p:txBody>
+          <a:bodyPr/>
+          <a:p>
+            <a:r>
+              <a:rPr lang="en-US" altLang="zh-CN"/>
+              <a:t>Clock: 12,</a:t>
+            </a:r>
+            <a:endParaRPr lang="en-US" altLang="zh-CN"/>
+          </a:p>
+          <a:p>
+            <a:r>
+              <a:rPr lang="en-US" altLang="zh-CN"/>
+              <a:t>Command: 11,</a:t>
+            </a:r>
+            <a:endParaRPr lang="en-US" altLang="zh-CN"/>
+          </a:p>
+          <a:p>
+            <a:r>
+              <a:rPr lang="en-US" altLang="zh-CN"/>
+              <a:t>Attention: 10,</a:t>
+            </a:r>
+            <a:endParaRPr lang="en-US" altLang="zh-CN"/>
+          </a:p>
+          <a:p>
+            <a:r>
+              <a:rPr lang="en-US" altLang="zh-CN"/>
+              <a:t>Data: 8</a:t>
+            </a:r>
+            <a:endParaRPr lang="en-US" altLang="zh-CN"/>
+          </a:p>
+          <a:p>
+            <a:r>
+              <a:rPr lang="en-US" altLang="zh-CN"/>
+              <a:t>Ground: GND</a:t>
+            </a:r>
+            <a:endParaRPr lang="en-US" altLang="zh-CN"/>
+          </a:p>
+          <a:p>
+            <a:r>
+              <a:rPr lang="en-US" altLang="zh-CN"/>
+              <a:t>Power: 3.3V</a:t>
+            </a:r>
+            <a:endParaRPr lang="en-US" altLang="zh-CN"/>
+          </a:p>
+          <a:p>
+            <a:endParaRPr lang="en-US" altLang="zh-CN"/>
+          </a:p>
+        </p:txBody>
+      </p:sp>
+      <p:pic>
+        <p:nvPicPr>
+          <p:cNvPr id="4" name="图片 3" descr="wiring"/>
+          <p:cNvPicPr>
+            <a:picLocks noChangeAspect="1"/>
+          </p:cNvPicPr>
+          <p:nvPr/>
+        </p:nvPicPr>
+        <p:blipFill>
+          <a:blip r:embed="rId1"/>
+          <a:stretch>
+            <a:fillRect/>
+          </a:stretch>
+        </p:blipFill>
+        <p:spPr>
+          <a:xfrm>
+            <a:off x="5591175" y="179070"/>
+            <a:ext cx="5752465" cy="6500495"/>
+          </a:xfrm>
+          <a:prstGeom prst="rect">
+            <a:avLst/>
+          </a:prstGeom>
+        </p:spPr>
+      </p:pic>
     </p:spTree>
   </p:cSld>
   <p:clrMapOvr>

--- a/slides/ArduinoSeminar2.pptx
+++ b/slides/ArduinoSeminar2.pptx
@@ -6170,10 +6170,9 @@
             <a:endParaRPr lang="en-US" altLang="zh-CN"/>
           </a:p>
           <a:p>
-            <a:pPr/>
             <a:r>
               <a:rPr lang="en-US" altLang="zh-CN" sz="2800"/>
-              <a:t>The first 3 groups that finish will have free PS2 Controller Kits!</a:t>
+              <a:t>The first 3 groups that finish will have free PS2 Controller Kits! </a:t>
             </a:r>
             <a:endParaRPr lang="en-US" altLang="zh-CN" sz="2800"/>
           </a:p>
@@ -7633,7 +7632,7 @@
           <a:p>
             <a:r>
               <a:rPr lang="en-US" altLang="zh-CN"/>
-              <a:t>Then Sketch -&gt; Include library -&gt; Add .zip library</a:t>
+              <a:t>Then Tools -&gt; Include library -&gt; Add .zip library</a:t>
             </a:r>
             <a:endParaRPr lang="en-US" altLang="zh-CN"/>
           </a:p>
